--- a/Counter_Malign_Information/4-Implement-For_Instructors/Lesson_Plans/Lesson_01-Creating_Synthetic_Content/Audio_Visual-Template/Es-Lesson_Slide-Create_AI_Content.pptx
+++ b/Counter_Malign_Information/4-Implement-For_Instructors/Lesson_Plans/Lesson_01-Creating_Synthetic_Content/Audio_Visual-Template/Es-Lesson_Slide-Create_AI_Content.pptx
@@ -2270,7 +2270,7 @@
           </a:ln>
           <a:extLst>
             <a:ext uri="{C572A759-6A51-4108-AA02-DFA0A04FC94B}">
-              <ma14:wrappingTextBoxFlag xmlns="" xmlns:m="http://schemas.openxmlformats.org/officeDocument/2006/math" xmlns:a14="http://schemas.microsoft.com/office/drawing/2010/main" xmlns:ma14="http://schemas.microsoft.com/office/mac/drawingml/2011/main" val="1"/>
+              <ma14:wrappingTextBoxFlag xmlns:ma14="http://schemas.microsoft.com/office/mac/drawingml/2011/main" xmlns:a14="http://schemas.microsoft.com/office/drawing/2010/main" xmlns:m="http://schemas.openxmlformats.org/officeDocument/2006/math" xmlns="" val="1"/>
             </a:ext>
           </a:extLst>
         </p:spPr>
@@ -2309,7 +2309,7 @@
           </a:ln>
           <a:extLst>
             <a:ext uri="{C572A759-6A51-4108-AA02-DFA0A04FC94B}">
-              <ma14:wrappingTextBoxFlag xmlns="" xmlns:m="http://schemas.openxmlformats.org/officeDocument/2006/math" xmlns:a14="http://schemas.microsoft.com/office/drawing/2010/main" xmlns:ma14="http://schemas.microsoft.com/office/mac/drawingml/2011/main" val="1"/>
+              <ma14:wrappingTextBoxFlag xmlns:ma14="http://schemas.microsoft.com/office/mac/drawingml/2011/main" xmlns:a14="http://schemas.microsoft.com/office/drawing/2010/main" xmlns:m="http://schemas.openxmlformats.org/officeDocument/2006/math" xmlns="" val="1"/>
             </a:ext>
           </a:extLst>
         </p:spPr>
@@ -3346,7 +3346,7 @@
           </a:prstGeom>
           <a:extLst>
             <a:ext uri="{C572A759-6A51-4108-AA02-DFA0A04FC94B}">
-              <ma14:wrappingTextBoxFlag xmlns="" xmlns:m="http://schemas.openxmlformats.org/officeDocument/2006/math" xmlns:a14="http://schemas.microsoft.com/office/drawing/2010/main" xmlns:ma14="http://schemas.microsoft.com/office/mac/drawingml/2011/main" val="1"/>
+              <ma14:wrappingTextBoxFlag xmlns:ma14="http://schemas.microsoft.com/office/mac/drawingml/2011/main" xmlns:a14="http://schemas.microsoft.com/office/drawing/2010/main" xmlns:m="http://schemas.openxmlformats.org/officeDocument/2006/math" xmlns="" val="1"/>
             </a:ext>
           </a:extLst>
         </p:spPr>
@@ -3372,7 +3372,7 @@
         <p:push dir="u"/>
       </p:transition>
     </mc:Choice>
-    <mc:Fallback xmlns="" xmlns:m="http://schemas.openxmlformats.org/officeDocument/2006/math" xmlns:a14="http://schemas.microsoft.com/office/drawing/2010/main">
+    <mc:Fallback xmlns:a14="http://schemas.microsoft.com/office/drawing/2010/main" xmlns:m="http://schemas.openxmlformats.org/officeDocument/2006/math" xmlns="">
       <p:transition spd="slow">
         <p:fade/>
       </p:transition>
@@ -3565,7 +3565,7 @@
           </a:prstGeom>
           <a:extLst>
             <a:ext uri="{C572A759-6A51-4108-AA02-DFA0A04FC94B}">
-              <ma14:wrappingTextBoxFlag xmlns="" xmlns:m="http://schemas.openxmlformats.org/officeDocument/2006/math" xmlns:a14="http://schemas.microsoft.com/office/drawing/2010/main" xmlns:ma14="http://schemas.microsoft.com/office/mac/drawingml/2011/main" val="1"/>
+              <ma14:wrappingTextBoxFlag xmlns:ma14="http://schemas.microsoft.com/office/mac/drawingml/2011/main" xmlns:a14="http://schemas.microsoft.com/office/drawing/2010/main" xmlns:m="http://schemas.openxmlformats.org/officeDocument/2006/math" xmlns="" val="1"/>
             </a:ext>
           </a:extLst>
         </p:spPr>
@@ -3693,7 +3693,7 @@
           </a:ln>
           <a:extLst>
             <a:ext uri="{C572A759-6A51-4108-AA02-DFA0A04FC94B}">
-              <ma14:wrappingTextBoxFlag xmlns="" xmlns:m="http://schemas.openxmlformats.org/officeDocument/2006/math" xmlns:a14="http://schemas.microsoft.com/office/drawing/2010/main" xmlns:ma14="http://schemas.microsoft.com/office/mac/drawingml/2011/main" val="1"/>
+              <ma14:wrappingTextBoxFlag xmlns:ma14="http://schemas.microsoft.com/office/mac/drawingml/2011/main" xmlns:a14="http://schemas.microsoft.com/office/drawing/2010/main" xmlns:m="http://schemas.openxmlformats.org/officeDocument/2006/math" xmlns="" val="1"/>
             </a:ext>
           </a:extLst>
         </p:spPr>
@@ -3729,7 +3729,7 @@
           </a:prstGeom>
           <a:extLst>
             <a:ext uri="{C572A759-6A51-4108-AA02-DFA0A04FC94B}">
-              <ma14:wrappingTextBoxFlag xmlns="" xmlns:m="http://schemas.openxmlformats.org/officeDocument/2006/math" xmlns:a14="http://schemas.microsoft.com/office/drawing/2010/main" xmlns:ma14="http://schemas.microsoft.com/office/mac/drawingml/2011/main" val="1"/>
+              <ma14:wrappingTextBoxFlag xmlns:ma14="http://schemas.microsoft.com/office/mac/drawingml/2011/main" xmlns:a14="http://schemas.microsoft.com/office/drawing/2010/main" xmlns:m="http://schemas.openxmlformats.org/officeDocument/2006/math" xmlns="" val="1"/>
             </a:ext>
           </a:extLst>
         </p:spPr>
@@ -3790,7 +3790,7 @@
           </a:prstGeom>
           <a:extLst>
             <a:ext uri="{C572A759-6A51-4108-AA02-DFA0A04FC94B}">
-              <ma14:wrappingTextBoxFlag xmlns="" xmlns:m="http://schemas.openxmlformats.org/officeDocument/2006/math" xmlns:a14="http://schemas.microsoft.com/office/drawing/2010/main" xmlns:ma14="http://schemas.microsoft.com/office/mac/drawingml/2011/main" val="1"/>
+              <ma14:wrappingTextBoxFlag xmlns:ma14="http://schemas.microsoft.com/office/mac/drawingml/2011/main" xmlns:a14="http://schemas.microsoft.com/office/drawing/2010/main" xmlns:m="http://schemas.openxmlformats.org/officeDocument/2006/math" xmlns="" val="1"/>
             </a:ext>
           </a:extLst>
         </p:spPr>
@@ -4309,7 +4309,7 @@
           </a:ln>
           <a:extLst>
             <a:ext uri="{C572A759-6A51-4108-AA02-DFA0A04FC94B}">
-              <ma14:wrappingTextBoxFlag xmlns="" xmlns:m="http://schemas.openxmlformats.org/officeDocument/2006/math" xmlns:a14="http://schemas.microsoft.com/office/drawing/2010/main" xmlns:ma14="http://schemas.microsoft.com/office/mac/drawingml/2011/main" val="1"/>
+              <ma14:wrappingTextBoxFlag xmlns:ma14="http://schemas.microsoft.com/office/mac/drawingml/2011/main" xmlns:a14="http://schemas.microsoft.com/office/drawing/2010/main" xmlns:m="http://schemas.openxmlformats.org/officeDocument/2006/math" xmlns="" val="1"/>
             </a:ext>
           </a:extLst>
         </p:spPr>
@@ -4541,7 +4541,7 @@
           </a:ln>
           <a:extLst>
             <a:ext uri="{C572A759-6A51-4108-AA02-DFA0A04FC94B}">
-              <ma14:wrappingTextBoxFlag xmlns="" xmlns:m="http://schemas.openxmlformats.org/officeDocument/2006/math" xmlns:a14="http://schemas.microsoft.com/office/drawing/2010/main" xmlns:ma14="http://schemas.microsoft.com/office/mac/drawingml/2011/main" val="1"/>
+              <ma14:wrappingTextBoxFlag xmlns:ma14="http://schemas.microsoft.com/office/mac/drawingml/2011/main" xmlns:a14="http://schemas.microsoft.com/office/drawing/2010/main" xmlns:m="http://schemas.openxmlformats.org/officeDocument/2006/math" xmlns="" val="1"/>
             </a:ext>
           </a:extLst>
         </p:spPr>
@@ -4598,7 +4598,7 @@
           </a:ln>
           <a:extLst>
             <a:ext uri="{C572A759-6A51-4108-AA02-DFA0A04FC94B}">
-              <ma14:wrappingTextBoxFlag xmlns="" xmlns:m="http://schemas.openxmlformats.org/officeDocument/2006/math" xmlns:a14="http://schemas.microsoft.com/office/drawing/2010/main" xmlns:ma14="http://schemas.microsoft.com/office/mac/drawingml/2011/main" val="1"/>
+              <ma14:wrappingTextBoxFlag xmlns:ma14="http://schemas.microsoft.com/office/mac/drawingml/2011/main" xmlns:a14="http://schemas.microsoft.com/office/drawing/2010/main" xmlns:m="http://schemas.openxmlformats.org/officeDocument/2006/math" xmlns="" val="1"/>
             </a:ext>
           </a:extLst>
         </p:spPr>
@@ -4695,7 +4695,7 @@
           </a:ln>
           <a:extLst>
             <a:ext uri="{C572A759-6A51-4108-AA02-DFA0A04FC94B}">
-              <ma14:wrappingTextBoxFlag xmlns="" xmlns:m="http://schemas.openxmlformats.org/officeDocument/2006/math" xmlns:a14="http://schemas.microsoft.com/office/drawing/2010/main" xmlns:ma14="http://schemas.microsoft.com/office/mac/drawingml/2011/main" val="1"/>
+              <ma14:wrappingTextBoxFlag xmlns:ma14="http://schemas.microsoft.com/office/mac/drawingml/2011/main" xmlns:a14="http://schemas.microsoft.com/office/drawing/2010/main" xmlns:m="http://schemas.openxmlformats.org/officeDocument/2006/math" xmlns="" val="1"/>
             </a:ext>
           </a:extLst>
         </p:spPr>
@@ -4792,7 +4792,7 @@
           </a:ln>
           <a:extLst>
             <a:ext uri="{C572A759-6A51-4108-AA02-DFA0A04FC94B}">
-              <ma14:wrappingTextBoxFlag xmlns="" xmlns:m="http://schemas.openxmlformats.org/officeDocument/2006/math" xmlns:a14="http://schemas.microsoft.com/office/drawing/2010/main" xmlns:ma14="http://schemas.microsoft.com/office/mac/drawingml/2011/main" val="1"/>
+              <ma14:wrappingTextBoxFlag xmlns:ma14="http://schemas.microsoft.com/office/mac/drawingml/2011/main" xmlns:a14="http://schemas.microsoft.com/office/drawing/2010/main" xmlns:m="http://schemas.openxmlformats.org/officeDocument/2006/math" xmlns="" val="1"/>
             </a:ext>
           </a:extLst>
         </p:spPr>
@@ -4942,7 +4942,7 @@
           </a:prstGeom>
           <a:extLst>
             <a:ext uri="{C572A759-6A51-4108-AA02-DFA0A04FC94B}">
-              <ma14:wrappingTextBoxFlag xmlns="" xmlns:m="http://schemas.openxmlformats.org/officeDocument/2006/math" xmlns:a14="http://schemas.microsoft.com/office/drawing/2010/main" xmlns:ma14="http://schemas.microsoft.com/office/mac/drawingml/2011/main" val="1"/>
+              <ma14:wrappingTextBoxFlag xmlns:ma14="http://schemas.microsoft.com/office/mac/drawingml/2011/main" xmlns:a14="http://schemas.microsoft.com/office/drawing/2010/main" xmlns:m="http://schemas.openxmlformats.org/officeDocument/2006/math" xmlns="" val="1"/>
             </a:ext>
           </a:extLst>
         </p:spPr>
@@ -4989,7 +4989,7 @@
           </a:ln>
           <a:extLst>
             <a:ext uri="{C572A759-6A51-4108-AA02-DFA0A04FC94B}">
-              <ma14:wrappingTextBoxFlag xmlns="" xmlns:m="http://schemas.openxmlformats.org/officeDocument/2006/math" xmlns:a14="http://schemas.microsoft.com/office/drawing/2010/main" xmlns:ma14="http://schemas.microsoft.com/office/mac/drawingml/2011/main" val="1"/>
+              <ma14:wrappingTextBoxFlag xmlns:ma14="http://schemas.microsoft.com/office/mac/drawingml/2011/main" xmlns:a14="http://schemas.microsoft.com/office/drawing/2010/main" xmlns:m="http://schemas.openxmlformats.org/officeDocument/2006/math" xmlns="" val="1"/>
             </a:ext>
           </a:extLst>
         </p:spPr>
@@ -5086,7 +5086,7 @@
           </a:ln>
           <a:extLst>
             <a:ext uri="{C572A759-6A51-4108-AA02-DFA0A04FC94B}">
-              <ma14:wrappingTextBoxFlag xmlns="" xmlns:m="http://schemas.openxmlformats.org/officeDocument/2006/math" xmlns:a14="http://schemas.microsoft.com/office/drawing/2010/main" xmlns:ma14="http://schemas.microsoft.com/office/mac/drawingml/2011/main" val="1"/>
+              <ma14:wrappingTextBoxFlag xmlns:ma14="http://schemas.microsoft.com/office/mac/drawingml/2011/main" xmlns:a14="http://schemas.microsoft.com/office/drawing/2010/main" xmlns:m="http://schemas.openxmlformats.org/officeDocument/2006/math" xmlns="" val="1"/>
             </a:ext>
           </a:extLst>
         </p:spPr>
@@ -5183,7 +5183,7 @@
           </a:ln>
           <a:extLst>
             <a:ext uri="{C572A759-6A51-4108-AA02-DFA0A04FC94B}">
-              <ma14:wrappingTextBoxFlag xmlns="" xmlns:m="http://schemas.openxmlformats.org/officeDocument/2006/math" xmlns:a14="http://schemas.microsoft.com/office/drawing/2010/main" xmlns:ma14="http://schemas.microsoft.com/office/mac/drawingml/2011/main" val="1"/>
+              <ma14:wrappingTextBoxFlag xmlns:ma14="http://schemas.microsoft.com/office/mac/drawingml/2011/main" xmlns:a14="http://schemas.microsoft.com/office/drawing/2010/main" xmlns:m="http://schemas.openxmlformats.org/officeDocument/2006/math" xmlns="" val="1"/>
             </a:ext>
           </a:extLst>
         </p:spPr>
@@ -6253,7 +6253,7 @@
           </a:prstGeom>
           <a:extLst>
             <a:ext uri="{C572A759-6A51-4108-AA02-DFA0A04FC94B}">
-              <ma14:wrappingTextBoxFlag xmlns="" xmlns:m="http://schemas.openxmlformats.org/officeDocument/2006/math" xmlns:a14="http://schemas.microsoft.com/office/drawing/2010/main" xmlns:ma14="http://schemas.microsoft.com/office/mac/drawingml/2011/main" val="1"/>
+              <ma14:wrappingTextBoxFlag xmlns:ma14="http://schemas.microsoft.com/office/mac/drawingml/2011/main" xmlns:a14="http://schemas.microsoft.com/office/drawing/2010/main" xmlns:m="http://schemas.openxmlformats.org/officeDocument/2006/math" xmlns="" val="1"/>
             </a:ext>
           </a:extLst>
         </p:spPr>
@@ -6300,7 +6300,7 @@
           </a:ln>
           <a:extLst>
             <a:ext uri="{C572A759-6A51-4108-AA02-DFA0A04FC94B}">
-              <ma14:wrappingTextBoxFlag xmlns="" xmlns:m="http://schemas.openxmlformats.org/officeDocument/2006/math" xmlns:a14="http://schemas.microsoft.com/office/drawing/2010/main" xmlns:ma14="http://schemas.microsoft.com/office/mac/drawingml/2011/main" val="1"/>
+              <ma14:wrappingTextBoxFlag xmlns:ma14="http://schemas.microsoft.com/office/mac/drawingml/2011/main" xmlns:a14="http://schemas.microsoft.com/office/drawing/2010/main" xmlns:m="http://schemas.openxmlformats.org/officeDocument/2006/math" xmlns="" val="1"/>
             </a:ext>
           </a:extLst>
         </p:spPr>
@@ -6397,7 +6397,7 @@
           </a:ln>
           <a:extLst>
             <a:ext uri="{C572A759-6A51-4108-AA02-DFA0A04FC94B}">
-              <ma14:wrappingTextBoxFlag xmlns="" xmlns:m="http://schemas.openxmlformats.org/officeDocument/2006/math" xmlns:a14="http://schemas.microsoft.com/office/drawing/2010/main" xmlns:ma14="http://schemas.microsoft.com/office/mac/drawingml/2011/main" val="1"/>
+              <ma14:wrappingTextBoxFlag xmlns:ma14="http://schemas.microsoft.com/office/mac/drawingml/2011/main" xmlns:a14="http://schemas.microsoft.com/office/drawing/2010/main" xmlns:m="http://schemas.openxmlformats.org/officeDocument/2006/math" xmlns="" val="1"/>
             </a:ext>
           </a:extLst>
         </p:spPr>
@@ -6494,7 +6494,7 @@
           </a:ln>
           <a:extLst>
             <a:ext uri="{C572A759-6A51-4108-AA02-DFA0A04FC94B}">
-              <ma14:wrappingTextBoxFlag xmlns="" xmlns:m="http://schemas.openxmlformats.org/officeDocument/2006/math" xmlns:a14="http://schemas.microsoft.com/office/drawing/2010/main" xmlns:ma14="http://schemas.microsoft.com/office/mac/drawingml/2011/main" val="1"/>
+              <ma14:wrappingTextBoxFlag xmlns:ma14="http://schemas.microsoft.com/office/mac/drawingml/2011/main" xmlns:a14="http://schemas.microsoft.com/office/drawing/2010/main" xmlns:m="http://schemas.openxmlformats.org/officeDocument/2006/math" xmlns="" val="1"/>
             </a:ext>
           </a:extLst>
         </p:spPr>
@@ -6645,7 +6645,7 @@
           </a:prstGeom>
           <a:extLst>
             <a:ext uri="{C572A759-6A51-4108-AA02-DFA0A04FC94B}">
-              <ma14:wrappingTextBoxFlag xmlns="" xmlns:m="http://schemas.openxmlformats.org/officeDocument/2006/math" xmlns:a14="http://schemas.microsoft.com/office/drawing/2010/main" xmlns:ma14="http://schemas.microsoft.com/office/mac/drawingml/2011/main" val="1"/>
+              <ma14:wrappingTextBoxFlag xmlns:ma14="http://schemas.microsoft.com/office/mac/drawingml/2011/main" xmlns:a14="http://schemas.microsoft.com/office/drawing/2010/main" xmlns:m="http://schemas.openxmlformats.org/officeDocument/2006/math" xmlns="" val="1"/>
             </a:ext>
           </a:extLst>
         </p:spPr>
@@ -6692,7 +6692,7 @@
           </a:ln>
           <a:extLst>
             <a:ext uri="{C572A759-6A51-4108-AA02-DFA0A04FC94B}">
-              <ma14:wrappingTextBoxFlag xmlns="" xmlns:m="http://schemas.openxmlformats.org/officeDocument/2006/math" xmlns:a14="http://schemas.microsoft.com/office/drawing/2010/main" xmlns:ma14="http://schemas.microsoft.com/office/mac/drawingml/2011/main" val="1"/>
+              <ma14:wrappingTextBoxFlag xmlns:ma14="http://schemas.microsoft.com/office/mac/drawingml/2011/main" xmlns:a14="http://schemas.microsoft.com/office/drawing/2010/main" xmlns:m="http://schemas.openxmlformats.org/officeDocument/2006/math" xmlns="" val="1"/>
             </a:ext>
           </a:extLst>
         </p:spPr>
@@ -6789,7 +6789,7 @@
           </a:ln>
           <a:extLst>
             <a:ext uri="{C572A759-6A51-4108-AA02-DFA0A04FC94B}">
-              <ma14:wrappingTextBoxFlag xmlns="" xmlns:m="http://schemas.openxmlformats.org/officeDocument/2006/math" xmlns:a14="http://schemas.microsoft.com/office/drawing/2010/main" xmlns:ma14="http://schemas.microsoft.com/office/mac/drawingml/2011/main" val="1"/>
+              <ma14:wrappingTextBoxFlag xmlns:ma14="http://schemas.microsoft.com/office/mac/drawingml/2011/main" xmlns:a14="http://schemas.microsoft.com/office/drawing/2010/main" xmlns:m="http://schemas.openxmlformats.org/officeDocument/2006/math" xmlns="" val="1"/>
             </a:ext>
           </a:extLst>
         </p:spPr>
@@ -6886,7 +6886,7 @@
           </a:ln>
           <a:extLst>
             <a:ext uri="{C572A759-6A51-4108-AA02-DFA0A04FC94B}">
-              <ma14:wrappingTextBoxFlag xmlns="" xmlns:m="http://schemas.openxmlformats.org/officeDocument/2006/math" xmlns:a14="http://schemas.microsoft.com/office/drawing/2010/main" xmlns:ma14="http://schemas.microsoft.com/office/mac/drawingml/2011/main" val="1"/>
+              <ma14:wrappingTextBoxFlag xmlns:ma14="http://schemas.microsoft.com/office/mac/drawingml/2011/main" xmlns:a14="http://schemas.microsoft.com/office/drawing/2010/main" xmlns:m="http://schemas.openxmlformats.org/officeDocument/2006/math" xmlns="" val="1"/>
             </a:ext>
           </a:extLst>
         </p:spPr>
@@ -8446,7 +8446,7 @@
           </a:prstGeom>
           <a:extLst>
             <a:ext uri="{C572A759-6A51-4108-AA02-DFA0A04FC94B}">
-              <ma14:wrappingTextBoxFlag xmlns:ma14="http://schemas.microsoft.com/office/mac/drawingml/2011/main" xmlns:a14="http://schemas.microsoft.com/office/drawing/2010/main" xmlns:m="http://schemas.openxmlformats.org/officeDocument/2006/math" xmlns="" val="1"/>
+              <ma14:wrappingTextBoxFlag xmlns="" xmlns:m="http://schemas.openxmlformats.org/officeDocument/2006/math" xmlns:a14="http://schemas.microsoft.com/office/drawing/2010/main" xmlns:ma14="http://schemas.microsoft.com/office/mac/drawingml/2011/main" val="1"/>
             </a:ext>
           </a:extLst>
         </p:spPr>
@@ -8493,7 +8493,7 @@
           </a:ln>
           <a:extLst>
             <a:ext uri="{C572A759-6A51-4108-AA02-DFA0A04FC94B}">
-              <ma14:wrappingTextBoxFlag xmlns:ma14="http://schemas.microsoft.com/office/mac/drawingml/2011/main" xmlns:a14="http://schemas.microsoft.com/office/drawing/2010/main" xmlns:m="http://schemas.openxmlformats.org/officeDocument/2006/math" xmlns="" val="1"/>
+              <ma14:wrappingTextBoxFlag xmlns="" xmlns:m="http://schemas.openxmlformats.org/officeDocument/2006/math" xmlns:a14="http://schemas.microsoft.com/office/drawing/2010/main" xmlns:ma14="http://schemas.microsoft.com/office/mac/drawingml/2011/main" val="1"/>
             </a:ext>
           </a:extLst>
         </p:spPr>
@@ -8590,7 +8590,7 @@
           </a:ln>
           <a:extLst>
             <a:ext uri="{C572A759-6A51-4108-AA02-DFA0A04FC94B}">
-              <ma14:wrappingTextBoxFlag xmlns:ma14="http://schemas.microsoft.com/office/mac/drawingml/2011/main" xmlns:a14="http://schemas.microsoft.com/office/drawing/2010/main" xmlns:m="http://schemas.openxmlformats.org/officeDocument/2006/math" xmlns="" val="1"/>
+              <ma14:wrappingTextBoxFlag xmlns="" xmlns:m="http://schemas.openxmlformats.org/officeDocument/2006/math" xmlns:a14="http://schemas.microsoft.com/office/drawing/2010/main" xmlns:ma14="http://schemas.microsoft.com/office/mac/drawingml/2011/main" val="1"/>
             </a:ext>
           </a:extLst>
         </p:spPr>
@@ -8687,7 +8687,7 @@
           </a:ln>
           <a:extLst>
             <a:ext uri="{C572A759-6A51-4108-AA02-DFA0A04FC94B}">
-              <ma14:wrappingTextBoxFlag xmlns:ma14="http://schemas.microsoft.com/office/mac/drawingml/2011/main" xmlns:a14="http://schemas.microsoft.com/office/drawing/2010/main" xmlns:m="http://schemas.openxmlformats.org/officeDocument/2006/math" xmlns="" val="1"/>
+              <ma14:wrappingTextBoxFlag xmlns="" xmlns:m="http://schemas.openxmlformats.org/officeDocument/2006/math" xmlns:a14="http://schemas.microsoft.com/office/drawing/2010/main" xmlns:ma14="http://schemas.microsoft.com/office/mac/drawingml/2011/main" val="1"/>
             </a:ext>
           </a:extLst>
         </p:spPr>
@@ -9910,7 +9910,7 @@
           </a:prstGeom>
           <a:extLst>
             <a:ext uri="{C572A759-6A51-4108-AA02-DFA0A04FC94B}">
-              <ma14:wrappingTextBoxFlag xmlns="" xmlns:m="http://schemas.openxmlformats.org/officeDocument/2006/math" xmlns:a14="http://schemas.microsoft.com/office/drawing/2010/main" xmlns:ma14="http://schemas.microsoft.com/office/mac/drawingml/2011/main" val="1"/>
+              <ma14:wrappingTextBoxFlag xmlns:ma14="http://schemas.microsoft.com/office/mac/drawingml/2011/main" xmlns:a14="http://schemas.microsoft.com/office/drawing/2010/main" xmlns:m="http://schemas.openxmlformats.org/officeDocument/2006/math" xmlns="" val="1"/>
             </a:ext>
           </a:extLst>
         </p:spPr>
@@ -9957,7 +9957,7 @@
           </a:ln>
           <a:extLst>
             <a:ext uri="{C572A759-6A51-4108-AA02-DFA0A04FC94B}">
-              <ma14:wrappingTextBoxFlag xmlns="" xmlns:m="http://schemas.openxmlformats.org/officeDocument/2006/math" xmlns:a14="http://schemas.microsoft.com/office/drawing/2010/main" xmlns:ma14="http://schemas.microsoft.com/office/mac/drawingml/2011/main" val="1"/>
+              <ma14:wrappingTextBoxFlag xmlns:ma14="http://schemas.microsoft.com/office/mac/drawingml/2011/main" xmlns:a14="http://schemas.microsoft.com/office/drawing/2010/main" xmlns:m="http://schemas.openxmlformats.org/officeDocument/2006/math" xmlns="" val="1"/>
             </a:ext>
           </a:extLst>
         </p:spPr>
@@ -10054,7 +10054,7 @@
           </a:ln>
           <a:extLst>
             <a:ext uri="{C572A759-6A51-4108-AA02-DFA0A04FC94B}">
-              <ma14:wrappingTextBoxFlag xmlns="" xmlns:m="http://schemas.openxmlformats.org/officeDocument/2006/math" xmlns:a14="http://schemas.microsoft.com/office/drawing/2010/main" xmlns:ma14="http://schemas.microsoft.com/office/mac/drawingml/2011/main" val="1"/>
+              <ma14:wrappingTextBoxFlag xmlns:ma14="http://schemas.microsoft.com/office/mac/drawingml/2011/main" xmlns:a14="http://schemas.microsoft.com/office/drawing/2010/main" xmlns:m="http://schemas.openxmlformats.org/officeDocument/2006/math" xmlns="" val="1"/>
             </a:ext>
           </a:extLst>
         </p:spPr>
@@ -10151,7 +10151,7 @@
           </a:ln>
           <a:extLst>
             <a:ext uri="{C572A759-6A51-4108-AA02-DFA0A04FC94B}">
-              <ma14:wrappingTextBoxFlag xmlns="" xmlns:m="http://schemas.openxmlformats.org/officeDocument/2006/math" xmlns:a14="http://schemas.microsoft.com/office/drawing/2010/main" xmlns:ma14="http://schemas.microsoft.com/office/mac/drawingml/2011/main" val="1"/>
+              <ma14:wrappingTextBoxFlag xmlns:ma14="http://schemas.microsoft.com/office/mac/drawingml/2011/main" xmlns:a14="http://schemas.microsoft.com/office/drawing/2010/main" xmlns:m="http://schemas.openxmlformats.org/officeDocument/2006/math" xmlns="" val="1"/>
             </a:ext>
           </a:extLst>
         </p:spPr>
@@ -10254,7 +10254,7 @@
           </a:prstGeom>
           <a:extLst>
             <a:ext uri="{C572A759-6A51-4108-AA02-DFA0A04FC94B}">
-              <ma14:wrappingTextBoxFlag xmlns="" xmlns:m="http://schemas.openxmlformats.org/officeDocument/2006/math" xmlns:a14="http://schemas.microsoft.com/office/drawing/2010/main" xmlns:ma14="http://schemas.microsoft.com/office/mac/drawingml/2011/main" val="1"/>
+              <ma14:wrappingTextBoxFlag xmlns:ma14="http://schemas.microsoft.com/office/mac/drawingml/2011/main" xmlns:a14="http://schemas.microsoft.com/office/drawing/2010/main" xmlns:m="http://schemas.openxmlformats.org/officeDocument/2006/math" xmlns="" val="1"/>
             </a:ext>
           </a:extLst>
         </p:spPr>
@@ -10919,7 +10919,7 @@
           </a:ln>
           <a:extLst>
             <a:ext uri="{C572A759-6A51-4108-AA02-DFA0A04FC94B}">
-              <ma14:wrappingTextBoxFlag xmlns="" xmlns:m="http://schemas.openxmlformats.org/officeDocument/2006/math" xmlns:a14="http://schemas.microsoft.com/office/drawing/2010/main" xmlns:ma14="http://schemas.microsoft.com/office/mac/drawingml/2011/main" val="1"/>
+              <ma14:wrappingTextBoxFlag xmlns:ma14="http://schemas.microsoft.com/office/mac/drawingml/2011/main" xmlns:a14="http://schemas.microsoft.com/office/drawing/2010/main" xmlns:m="http://schemas.openxmlformats.org/officeDocument/2006/math" xmlns="" val="1"/>
             </a:ext>
           </a:extLst>
         </p:spPr>
@@ -11253,7 +11253,7 @@
           </a:ln>
           <a:extLst>
             <a:ext uri="{C572A759-6A51-4108-AA02-DFA0A04FC94B}">
-              <ma14:wrappingTextBoxFlag xmlns="" xmlns:m="http://schemas.openxmlformats.org/officeDocument/2006/math" xmlns:a14="http://schemas.microsoft.com/office/drawing/2010/main" xmlns:ma14="http://schemas.microsoft.com/office/mac/drawingml/2011/main" val="1"/>
+              <ma14:wrappingTextBoxFlag xmlns:ma14="http://schemas.microsoft.com/office/mac/drawingml/2011/main" xmlns:a14="http://schemas.microsoft.com/office/drawing/2010/main" xmlns:m="http://schemas.openxmlformats.org/officeDocument/2006/math" xmlns="" val="1"/>
             </a:ext>
           </a:extLst>
         </p:spPr>
@@ -11329,7 +11329,7 @@
           </a:prstGeom>
           <a:extLst>
             <a:ext uri="{C572A759-6A51-4108-AA02-DFA0A04FC94B}">
-              <ma14:wrappingTextBoxFlag xmlns="" xmlns:m="http://schemas.openxmlformats.org/officeDocument/2006/math" xmlns:a14="http://schemas.microsoft.com/office/drawing/2010/main" xmlns:ma14="http://schemas.microsoft.com/office/mac/drawingml/2011/main" val="1"/>
+              <ma14:wrappingTextBoxFlag xmlns:ma14="http://schemas.microsoft.com/office/mac/drawingml/2011/main" xmlns:a14="http://schemas.microsoft.com/office/drawing/2010/main" xmlns:m="http://schemas.openxmlformats.org/officeDocument/2006/math" xmlns="" val="1"/>
             </a:ext>
           </a:extLst>
         </p:spPr>
@@ -11649,7 +11649,7 @@
           </a:ln>
           <a:extLst>
             <a:ext uri="{C572A759-6A51-4108-AA02-DFA0A04FC94B}">
-              <ma14:wrappingTextBoxFlag xmlns="" xmlns:m="http://schemas.openxmlformats.org/officeDocument/2006/math" xmlns:a14="http://schemas.microsoft.com/office/drawing/2010/main" xmlns:ma14="http://schemas.microsoft.com/office/mac/drawingml/2011/main" val="1"/>
+              <ma14:wrappingTextBoxFlag xmlns:ma14="http://schemas.microsoft.com/office/mac/drawingml/2011/main" xmlns:a14="http://schemas.microsoft.com/office/drawing/2010/main" xmlns:m="http://schemas.openxmlformats.org/officeDocument/2006/math" xmlns="" val="1"/>
             </a:ext>
           </a:extLst>
         </p:spPr>
@@ -11893,7 +11893,7 @@
           </a:ln>
           <a:extLst>
             <a:ext uri="{C572A759-6A51-4108-AA02-DFA0A04FC94B}">
-              <ma14:wrappingTextBoxFlag xmlns="" xmlns:m="http://schemas.openxmlformats.org/officeDocument/2006/math" xmlns:a14="http://schemas.microsoft.com/office/drawing/2010/main" xmlns:ma14="http://schemas.microsoft.com/office/mac/drawingml/2011/main" val="1"/>
+              <ma14:wrappingTextBoxFlag xmlns:ma14="http://schemas.microsoft.com/office/mac/drawingml/2011/main" xmlns:a14="http://schemas.microsoft.com/office/drawing/2010/main" xmlns:m="http://schemas.openxmlformats.org/officeDocument/2006/math" xmlns="" val="1"/>
             </a:ext>
           </a:extLst>
         </p:spPr>
